--- a/reports/Presentation.pptx
+++ b/reports/Presentation.pptx
@@ -109,7 +109,41 @@
       </a:defRPr>
     </a:lvl9pPr>
   </p:defaultTextStyle>
+  <p:extLst>
+    <p:ext uri="{EFAFB233-063F-42B5-8137-9DF3F51BA10A}">
+      <p15:sldGuideLst xmlns:p15="http://schemas.microsoft.com/office/powerpoint/2012/main"/>
+    </p:ext>
+  </p:extLst>
 </p:presentation>
+</file>
+
+<file path=ppt/changesInfos/changesInfo1.xml><?xml version="1.0" encoding="utf-8"?>
+<pc:chgInfo xmlns:a="http://schemas.openxmlformats.org/drawingml/2006/main" xmlns:r="http://schemas.openxmlformats.org/officeDocument/2006/relationships" xmlns:ac="http://schemas.microsoft.com/office/drawing/2013/main/command" xmlns:pc="http://schemas.microsoft.com/office/powerpoint/2013/main/command">
+  <pc:docChgLst>
+    <pc:chgData name="Judah Drelich" userId="b58a0b8387fae8c8" providerId="LiveId" clId="{EEB78233-4F64-4AFF-9FA4-D767E4B26B89}"/>
+    <pc:docChg chg="modSld">
+      <pc:chgData name="Judah Drelich" userId="b58a0b8387fae8c8" providerId="LiveId" clId="{EEB78233-4F64-4AFF-9FA4-D767E4B26B89}" dt="2023-09-09T23:44:14.385" v="81" actId="20577"/>
+      <pc:docMkLst>
+        <pc:docMk/>
+      </pc:docMkLst>
+      <pc:sldChg chg="modSp mod">
+        <pc:chgData name="Judah Drelich" userId="b58a0b8387fae8c8" providerId="LiveId" clId="{EEB78233-4F64-4AFF-9FA4-D767E4B26B89}" dt="2023-09-09T23:44:14.385" v="81" actId="20577"/>
+        <pc:sldMkLst>
+          <pc:docMk/>
+          <pc:sldMk cId="277298631" sldId="258"/>
+        </pc:sldMkLst>
+        <pc:spChg chg="mod">
+          <ac:chgData name="Judah Drelich" userId="b58a0b8387fae8c8" providerId="LiveId" clId="{EEB78233-4F64-4AFF-9FA4-D767E4B26B89}" dt="2023-09-09T23:44:14.385" v="81" actId="20577"/>
+          <ac:spMkLst>
+            <pc:docMk/>
+            <pc:sldMk cId="277298631" sldId="258"/>
+            <ac:spMk id="3" creationId="{47E131ED-89C1-B0FF-FD26-E855FDD45D9B}"/>
+          </ac:spMkLst>
+        </pc:spChg>
+      </pc:sldChg>
+    </pc:docChg>
+  </pc:docChgLst>
+</pc:chgInfo>
 </file>
 
 <file path=ppt/slideLayouts/slideLayout1.xml><?xml version="1.0" encoding="utf-8"?>
@@ -297,7 +331,7 @@
           <a:p>
             <a:fld id="{88D38747-4367-4BD2-8D51-C97E202738E2}" type="datetime1">
               <a:rPr lang="en-US" smtClean="0"/>
-              <a:t>9/8/2023</a:t>
+              <a:t>9/9/2023</a:t>
             </a:fld>
             <a:endParaRPr lang="en-US" dirty="0"/>
           </a:p>
@@ -602,7 +636,7 @@
           <a:p>
             <a:fld id="{11F1B079-7EF0-44EE-B798-BCC497C9F3B2}" type="datetime1">
               <a:rPr lang="en-US" smtClean="0"/>
-              <a:t>9/8/2023</a:t>
+              <a:t>9/9/2023</a:t>
             </a:fld>
             <a:endParaRPr lang="en-US" dirty="0"/>
           </a:p>
@@ -796,7 +830,7 @@
           <a:p>
             <a:fld id="{28FF70A8-1D13-4657-95F0-A9EA54967B8D}" type="datetime1">
               <a:rPr lang="en-US" smtClean="0"/>
-              <a:t>9/8/2023</a:t>
+              <a:t>9/9/2023</a:t>
             </a:fld>
             <a:endParaRPr lang="en-US" dirty="0"/>
           </a:p>
@@ -1059,7 +1093,7 @@
           <a:p>
             <a:fld id="{21EB90AC-71BD-4C7F-8ACA-7B3F18292E63}" type="datetime1">
               <a:rPr lang="en-US" smtClean="0"/>
-              <a:t>9/8/2023</a:t>
+              <a:t>9/9/2023</a:t>
             </a:fld>
             <a:endParaRPr lang="en-US" dirty="0"/>
           </a:p>
@@ -1495,7 +1529,7 @@
           <a:p>
             <a:fld id="{4E6EFC2C-8905-46F0-B443-CE905B76BA01}" type="datetime1">
               <a:rPr lang="en-US" smtClean="0"/>
-              <a:t>9/8/2023</a:t>
+              <a:t>9/9/2023</a:t>
             </a:fld>
             <a:endParaRPr lang="en-US" dirty="0"/>
           </a:p>
@@ -2032,7 +2066,7 @@
           <a:p>
             <a:fld id="{D9079DC3-C9B5-499E-9140-0DC28B7074E2}" type="datetime1">
               <a:rPr lang="en-US" smtClean="0"/>
-              <a:t>9/8/2023</a:t>
+              <a:t>9/9/2023</a:t>
             </a:fld>
             <a:endParaRPr lang="en-US" dirty="0"/>
           </a:p>
@@ -2914,7 +2948,7 @@
           <a:p>
             <a:fld id="{30BB33EA-E472-4D22-9C03-A9C14AA21CED}" type="datetime1">
               <a:rPr lang="en-US" smtClean="0"/>
-              <a:t>9/8/2023</a:t>
+              <a:t>9/9/2023</a:t>
             </a:fld>
             <a:endParaRPr lang="en-US" dirty="0"/>
           </a:p>
@@ -3084,7 +3118,7 @@
           <a:p>
             <a:fld id="{217E833E-1B6D-415F-AD29-75AE8C43BD0D}" type="datetime1">
               <a:rPr lang="en-US" smtClean="0"/>
-              <a:t>9/8/2023</a:t>
+              <a:t>9/9/2023</a:t>
             </a:fld>
             <a:endParaRPr lang="en-US" dirty="0"/>
           </a:p>
@@ -3268,7 +3302,7 @@
           <a:p>
             <a:fld id="{8452596F-08A7-4B70-989A-F2B1CF31E66B}" type="datetime1">
               <a:rPr lang="en-US" smtClean="0"/>
-              <a:t>9/8/2023</a:t>
+              <a:t>9/9/2023</a:t>
             </a:fld>
             <a:endParaRPr lang="en-US" dirty="0"/>
           </a:p>
@@ -3438,7 +3472,7 @@
           <a:p>
             <a:fld id="{73C55A3C-5767-4844-A0A3-83778C2E5409}" type="datetime1">
               <a:rPr lang="en-US" smtClean="0"/>
-              <a:t>9/8/2023</a:t>
+              <a:t>9/9/2023</a:t>
             </a:fld>
             <a:endParaRPr lang="en-US" dirty="0"/>
           </a:p>
@@ -3682,7 +3716,7 @@
           <a:p>
             <a:fld id="{CAE507A8-A5CF-4D38-AB86-7EDDA87A85D4}" type="datetime1">
               <a:rPr lang="en-US" smtClean="0"/>
-              <a:t>9/8/2023</a:t>
+              <a:t>9/9/2023</a:t>
             </a:fld>
             <a:endParaRPr lang="en-US" dirty="0"/>
           </a:p>
@@ -3924,7 +3958,7 @@
           <a:p>
             <a:fld id="{BDFCD27C-8599-43EF-BA1D-14DDC1946E06}" type="datetime1">
               <a:rPr lang="en-US" smtClean="0"/>
-              <a:t>9/8/2023</a:t>
+              <a:t>9/9/2023</a:t>
             </a:fld>
             <a:endParaRPr lang="en-US" dirty="0"/>
           </a:p>
@@ -4405,7 +4439,7 @@
           <a:p>
             <a:fld id="{49343D99-809A-49C0-96E5-4250D0B498EE}" type="datetime1">
               <a:rPr lang="en-US" smtClean="0"/>
-              <a:t>9/8/2023</a:t>
+              <a:t>9/9/2023</a:t>
             </a:fld>
             <a:endParaRPr lang="en-US" dirty="0"/>
           </a:p>
@@ -4523,7 +4557,7 @@
           <a:p>
             <a:fld id="{A143DE9B-B678-4EFB-BB7D-A4370204A0B0}" type="datetime1">
               <a:rPr lang="en-US" smtClean="0"/>
-              <a:t>9/8/2023</a:t>
+              <a:t>9/9/2023</a:t>
             </a:fld>
             <a:endParaRPr lang="en-US" dirty="0"/>
           </a:p>
@@ -4618,7 +4652,7 @@
           <a:p>
             <a:fld id="{E68812DA-F765-4142-A6A3-A8ED7235E082}" type="datetime1">
               <a:rPr lang="en-US" smtClean="0"/>
-              <a:t>9/8/2023</a:t>
+              <a:t>9/9/2023</a:t>
             </a:fld>
             <a:endParaRPr lang="en-US" dirty="0"/>
           </a:p>
@@ -4873,7 +4907,7 @@
           <a:p>
             <a:fld id="{3E0277FD-7DE6-41D4-930D-AC99F5AFE54E}" type="datetime1">
               <a:rPr lang="en-US" smtClean="0"/>
-              <a:t>9/8/2023</a:t>
+              <a:t>9/9/2023</a:t>
             </a:fld>
             <a:endParaRPr lang="en-US" dirty="0"/>
           </a:p>
@@ -5180,7 +5214,7 @@
           <a:p>
             <a:fld id="{9EA15526-7079-4B7B-987C-1B5FAE11A0FF}" type="datetime1">
               <a:rPr lang="en-US" smtClean="0"/>
-              <a:t>9/8/2023</a:t>
+              <a:t>9/9/2023</a:t>
             </a:fld>
             <a:endParaRPr lang="en-US" dirty="0"/>
           </a:p>
@@ -5415,7 +5449,7 @@
           <a:p>
             <a:fld id="{073ED0CC-082F-4160-86E5-0D6041F12778}" type="datetime1">
               <a:rPr lang="en-US" smtClean="0"/>
-              <a:t>9/8/2023</a:t>
+              <a:t>9/9/2023</a:t>
             </a:fld>
             <a:endParaRPr lang="en-US" dirty="0"/>
           </a:p>
@@ -6609,7 +6643,12 @@
             <p:ph idx="1"/>
           </p:nvPr>
         </p:nvSpPr>
-        <p:spPr/>
+        <p:spPr>
+          <a:xfrm>
+            <a:off x="913795" y="2076450"/>
+            <a:ext cx="10353762" cy="4371851"/>
+          </a:xfrm>
+        </p:spPr>
         <p:txBody>
           <a:bodyPr/>
           <a:lstStyle/>
@@ -6633,7 +6672,7 @@
                 <a:latin typeface="Times New Roman" panose="02020603050405020304" pitchFamily="18" charset="0"/>
                 <a:ea typeface="Calibri" panose="020F0502020204030204" pitchFamily="34" charset="0"/>
               </a:rPr>
-              <a:t>To clean the data, all the features must have only numerical values</a:t>
+              <a:t>All the features must have only numerical values</a:t>
             </a:r>
           </a:p>
           <a:p>
@@ -6679,7 +6718,53 @@
                 <a:latin typeface="Times New Roman" panose="02020603050405020304" pitchFamily="18" charset="0"/>
                 <a:ea typeface="Calibri" panose="020F0502020204030204" pitchFamily="34" charset="0"/>
               </a:rPr>
-              <a:t>Others </a:t>
+              <a:t>Others are Categorical such as the type of employment that the borrower has. </a:t>
+            </a:r>
+          </a:p>
+          <a:p>
+            <a:pPr indent="-342900">
+              <a:lnSpc>
+                <a:spcPct val="200000"/>
+              </a:lnSpc>
+              <a:spcBef>
+                <a:spcPts val="0"/>
+              </a:spcBef>
+              <a:spcAft>
+                <a:spcPts val="0"/>
+              </a:spcAft>
+              <a:buFont typeface="Symbol" panose="05050102010706020507" pitchFamily="18" charset="2"/>
+              <a:buChar char=""/>
+            </a:pPr>
+            <a:r>
+              <a:rPr lang="en-US" sz="1800" dirty="0">
+                <a:effectLst/>
+                <a:latin typeface="Times New Roman" panose="02020603050405020304" pitchFamily="18" charset="0"/>
+                <a:ea typeface="Calibri" panose="020F0502020204030204" pitchFamily="34" charset="0"/>
+              </a:rPr>
+              <a:t>Imputation of values for this dataset is the most challenging aspect of this project. </a:t>
+            </a:r>
+          </a:p>
+          <a:p>
+            <a:pPr lvl="1" indent="-342900">
+              <a:lnSpc>
+                <a:spcPct val="200000"/>
+              </a:lnSpc>
+              <a:spcBef>
+                <a:spcPts val="0"/>
+              </a:spcBef>
+              <a:spcAft>
+                <a:spcPts val="0"/>
+              </a:spcAft>
+              <a:buFont typeface="Symbol" panose="05050102010706020507" pitchFamily="18" charset="2"/>
+              <a:buChar char=""/>
+            </a:pPr>
+            <a:r>
+              <a:rPr lang="en-US" sz="1400" dirty="0">
+                <a:effectLst/>
+                <a:latin typeface="Times New Roman" panose="02020603050405020304" pitchFamily="18" charset="0"/>
+                <a:ea typeface="Calibri" panose="020F0502020204030204" pitchFamily="34" charset="0"/>
+              </a:rPr>
+              <a:t>My assumption was that most missing values were zeroes that people forgot to fill out on forms or didn't bother </a:t>
             </a:r>
             <a:r>
               <a:rPr lang="en-US" sz="1400">
@@ -6687,9 +6772,44 @@
                 <a:latin typeface="Times New Roman" panose="02020603050405020304" pitchFamily="18" charset="0"/>
                 <a:ea typeface="Calibri" panose="020F0502020204030204" pitchFamily="34" charset="0"/>
               </a:rPr>
-              <a:t>are Categorical</a:t>
-            </a:r>
+              <a:t>with.</a:t>
+            </a:r>
+          </a:p>
+          <a:p>
+            <a:pPr lvl="1" indent="-342900">
+              <a:lnSpc>
+                <a:spcPct val="200000"/>
+              </a:lnSpc>
+              <a:spcBef>
+                <a:spcPts val="0"/>
+              </a:spcBef>
+              <a:spcAft>
+                <a:spcPts val="0"/>
+              </a:spcAft>
+              <a:buFont typeface="Symbol" panose="05050102010706020507" pitchFamily="18" charset="2"/>
+              <a:buChar char=""/>
+            </a:pPr>
             <a:endParaRPr lang="en-US" sz="1400" dirty="0">
+              <a:effectLst/>
+              <a:latin typeface="Times New Roman" panose="02020603050405020304" pitchFamily="18" charset="0"/>
+              <a:ea typeface="Calibri" panose="020F0502020204030204" pitchFamily="34" charset="0"/>
+            </a:endParaRPr>
+          </a:p>
+          <a:p>
+            <a:pPr indent="-342900">
+              <a:lnSpc>
+                <a:spcPct val="200000"/>
+              </a:lnSpc>
+              <a:spcBef>
+                <a:spcPts val="0"/>
+              </a:spcBef>
+              <a:spcAft>
+                <a:spcPts val="0"/>
+              </a:spcAft>
+              <a:buFont typeface="Symbol" panose="05050102010706020507" pitchFamily="18" charset="2"/>
+              <a:buChar char=""/>
+            </a:pPr>
+            <a:endParaRPr lang="en-US" sz="1800" dirty="0">
               <a:effectLst/>
               <a:latin typeface="Times New Roman" panose="02020603050405020304" pitchFamily="18" charset="0"/>
               <a:ea typeface="Calibri" panose="020F0502020204030204" pitchFamily="34" charset="0"/>
